--- a/public/user/output/U201812791-刘棫欣-1.《喜马拉雅FM免费增值策略对用户留存的影响的实证研究》/output_3_3.pptx
+++ b/public/user/output/U201812791-刘棫欣-1.《喜马拉雅FM免费增值策略对用户留存的影响的实证研究》/output_3_3.pptx
@@ -3691,7 +3691,7 @@
               </a:defRPr>
             </a:pPr>
             <a:r>
-              <a:t>- 知识付费平台免费增值策略研究几乎没有，本研究整理资料界定概念。</a:t>
+              <a:t>- 知识付费平台免费增值策略研究几乎没有，本研究整理资料界定概念，发现其与免费试用有异同。</a:t>
             </a:r>
           </a:p>
         </p:txBody>
@@ -3727,7 +3727,7 @@
               </a:defRPr>
             </a:pPr>
             <a:r>
-              <a:t>- 现有研究对免费增值模式下付费转化率等涉及少，本研究从作品层面出发进行探索。</a:t>
+              <a:t>- 现有研究对免费增值模式下付费转化率或用户留存率涉及少，本研究从作品层面出发进行相关研究。</a:t>
             </a:r>
           </a:p>
         </p:txBody>
